--- a/presentations/JPMS.pptx
+++ b/presentations/JPMS.pptx
@@ -3315,7 +3315,7 @@
         </p:nvSpPr>
         <p:spPr>
           <a:xfrm>
-            <a:off x="838200" y="4836795"/>
+            <a:off x="838200" y="4905375"/>
             <a:ext cx="5760085" cy="1293495"/>
           </a:xfrm>
           <a:prstGeom prst="rect">
@@ -3504,54 +3504,6 @@
           </a:p>
         </p:txBody>
       </p:sp>
-      <p:pic>
-        <p:nvPicPr>
-          <p:cNvPr id="8" name="Content Placeholder 6"/>
-          <p:cNvPicPr>
-            <a:picLocks noChangeAspect="1"/>
-          </p:cNvPicPr>
-          <p:nvPr/>
-        </p:nvPicPr>
-        <p:blipFill>
-          <a:blip r:embed="rId1"/>
-          <a:stretch>
-            <a:fillRect/>
-          </a:stretch>
-        </p:blipFill>
-        <p:spPr>
-          <a:xfrm>
-            <a:off x="6162040" y="4296410"/>
-            <a:ext cx="1374140" cy="1118235"/>
-          </a:xfrm>
-          <a:prstGeom prst="rect">
-            <a:avLst/>
-          </a:prstGeom>
-        </p:spPr>
-      </p:pic>
-      <p:pic>
-        <p:nvPicPr>
-          <p:cNvPr id="9" name="Picture 8"/>
-          <p:cNvPicPr>
-            <a:picLocks noChangeAspect="1"/>
-          </p:cNvPicPr>
-          <p:nvPr/>
-        </p:nvPicPr>
-        <p:blipFill>
-          <a:blip r:embed="rId2"/>
-          <a:stretch>
-            <a:fillRect/>
-          </a:stretch>
-        </p:blipFill>
-        <p:spPr>
-          <a:xfrm>
-            <a:off x="6162040" y="2849245"/>
-            <a:ext cx="1357630" cy="1141730"/>
-          </a:xfrm>
-          <a:prstGeom prst="rect">
-            <a:avLst/>
-          </a:prstGeom>
-        </p:spPr>
-      </p:pic>
       <p:sp>
         <p:nvSpPr>
           <p:cNvPr id="10" name="Text Placeholder 4"/>
@@ -3751,30 +3703,6 @@
           </a:p>
         </p:txBody>
       </p:sp>
-      <p:pic>
-        <p:nvPicPr>
-          <p:cNvPr id="12" name="Picture 11"/>
-          <p:cNvPicPr>
-            <a:picLocks noChangeAspect="1"/>
-          </p:cNvPicPr>
-          <p:nvPr/>
-        </p:nvPicPr>
-        <p:blipFill>
-          <a:blip r:embed="rId3"/>
-          <a:stretch>
-            <a:fillRect/>
-          </a:stretch>
-        </p:blipFill>
-        <p:spPr>
-          <a:xfrm>
-            <a:off x="6162040" y="1293495"/>
-            <a:ext cx="1357630" cy="1127125"/>
-          </a:xfrm>
-          <a:prstGeom prst="rect">
-            <a:avLst/>
-          </a:prstGeom>
-        </p:spPr>
-      </p:pic>
       <p:sp>
         <p:nvSpPr>
           <p:cNvPr id="13" name="Text Placeholder 4"/>
@@ -4628,6 +4556,78 @@
           </a:p>
         </p:txBody>
       </p:sp>
+      <p:pic>
+        <p:nvPicPr>
+          <p:cNvPr id="2" name="Picture 1" descr="chart_1"/>
+          <p:cNvPicPr>
+            <a:picLocks noChangeAspect="1"/>
+          </p:cNvPicPr>
+          <p:nvPr/>
+        </p:nvPicPr>
+        <p:blipFill>
+          <a:blip r:embed="rId1"/>
+          <a:stretch>
+            <a:fillRect/>
+          </a:stretch>
+        </p:blipFill>
+        <p:spPr>
+          <a:xfrm>
+            <a:off x="6162040" y="1497330"/>
+            <a:ext cx="1352550" cy="1123950"/>
+          </a:xfrm>
+          <a:prstGeom prst="rect">
+            <a:avLst/>
+          </a:prstGeom>
+        </p:spPr>
+      </p:pic>
+      <p:pic>
+        <p:nvPicPr>
+          <p:cNvPr id="3" name="Picture 2" descr="chart_2"/>
+          <p:cNvPicPr>
+            <a:picLocks noChangeAspect="1"/>
+          </p:cNvPicPr>
+          <p:nvPr/>
+        </p:nvPicPr>
+        <p:blipFill>
+          <a:blip r:embed="rId2"/>
+          <a:stretch>
+            <a:fillRect/>
+          </a:stretch>
+        </p:blipFill>
+        <p:spPr>
+          <a:xfrm>
+            <a:off x="6183630" y="2857500"/>
+            <a:ext cx="1352550" cy="1143000"/>
+          </a:xfrm>
+          <a:prstGeom prst="rect">
+            <a:avLst/>
+          </a:prstGeom>
+        </p:spPr>
+      </p:pic>
+      <p:pic>
+        <p:nvPicPr>
+          <p:cNvPr id="6" name="Picture 5" descr="chart_3"/>
+          <p:cNvPicPr>
+            <a:picLocks noChangeAspect="1"/>
+          </p:cNvPicPr>
+          <p:nvPr/>
+        </p:nvPicPr>
+        <p:blipFill>
+          <a:blip r:embed="rId3"/>
+          <a:stretch>
+            <a:fillRect/>
+          </a:stretch>
+        </p:blipFill>
+        <p:spPr>
+          <a:xfrm>
+            <a:off x="6142990" y="4303395"/>
+            <a:ext cx="1371600" cy="1114425"/>
+          </a:xfrm>
+          <a:prstGeom prst="rect">
+            <a:avLst/>
+          </a:prstGeom>
+        </p:spPr>
+      </p:pic>
     </p:spTree>
   </p:cSld>
   <p:clrMapOvr>

--- a/presentations/JPMS.pptx
+++ b/presentations/JPMS.pptx
@@ -5,21 +5,24 @@
     <p:sldMasterId id="2147483648" r:id="rId1"/>
   </p:sldMasterIdLst>
   <p:notesMasterIdLst>
-    <p:notesMasterId r:id="rId12"/>
+    <p:notesMasterId r:id="rId5"/>
   </p:notesMasterIdLst>
   <p:handoutMasterIdLst>
-    <p:handoutMasterId r:id="rId13"/>
+    <p:handoutMasterId r:id="rId16"/>
   </p:handoutMasterIdLst>
   <p:sldIdLst>
     <p:sldId id="360" r:id="rId3"/>
     <p:sldId id="369" r:id="rId4"/>
-    <p:sldId id="367" r:id="rId5"/>
-    <p:sldId id="363" r:id="rId6"/>
-    <p:sldId id="361" r:id="rId7"/>
-    <p:sldId id="354" r:id="rId8"/>
-    <p:sldId id="353" r:id="rId9"/>
-    <p:sldId id="364" r:id="rId10"/>
-    <p:sldId id="366" r:id="rId11"/>
+    <p:sldId id="367" r:id="rId6"/>
+    <p:sldId id="363" r:id="rId7"/>
+    <p:sldId id="361" r:id="rId8"/>
+    <p:sldId id="354" r:id="rId9"/>
+    <p:sldId id="377" r:id="rId10"/>
+    <p:sldId id="378" r:id="rId11"/>
+    <p:sldId id="379" r:id="rId12"/>
+    <p:sldId id="353" r:id="rId13"/>
+    <p:sldId id="364" r:id="rId14"/>
+    <p:sldId id="366" r:id="rId15"/>
   </p:sldIdLst>
   <p:sldSz cx="12192000" cy="6858000"/>
   <p:notesSz cx="6858000" cy="9144000"/>
@@ -624,6 +627,50 @@
     </a:lvl9pPr>
   </p:notesStyle>
 </p:notesMaster>
+</file>
+
+<file path=ppt/notesSlides/notesSlide1.xml><?xml version="1.0" encoding="utf-8"?>
+<p:notes xmlns:a="http://schemas.openxmlformats.org/drawingml/2006/main" xmlns:r="http://schemas.openxmlformats.org/officeDocument/2006/relationships" xmlns:p="http://schemas.openxmlformats.org/presentationml/2006/main">
+  <p:cSld>
+    <p:spTree>
+      <p:nvGrpSpPr>
+        <p:cNvPr id="1" name=""/>
+        <p:cNvGrpSpPr/>
+        <p:nvPr/>
+      </p:nvGrpSpPr>
+      <p:grpSpPr/>
+      <p:sp>
+        <p:nvSpPr>
+          <p:cNvPr id="2" name="Slide Image Placeholder 1"/>
+          <p:cNvSpPr/>
+          <p:nvPr>
+            <p:ph type="sldImg" idx="2"/>
+          </p:nvPr>
+        </p:nvSpPr>
+        <p:spPr/>
+      </p:sp>
+      <p:sp>
+        <p:nvSpPr>
+          <p:cNvPr id="3" name="Text Placeholder 2"/>
+          <p:cNvSpPr/>
+          <p:nvPr>
+            <p:ph type="body" idx="3"/>
+          </p:nvPr>
+        </p:nvSpPr>
+        <p:spPr/>
+        <p:txBody>
+          <a:bodyPr/>
+          <a:p>
+            <a:endParaRPr lang="en-US"/>
+          </a:p>
+        </p:txBody>
+      </p:sp>
+    </p:spTree>
+  </p:cSld>
+  <p:clrMapOvr>
+    <a:masterClrMapping/>
+  </p:clrMapOvr>
+</p:notes>
 </file>
 
 <file path=ppt/slideLayouts/slideLayout1.xml><?xml version="1.0" encoding="utf-8"?>
@@ -1867,6 +1914,610 @@
 </p:sld>
 </file>
 
+<file path=ppt/slides/slide10.xml><?xml version="1.0" encoding="utf-8"?>
+<p:sld xmlns:a="http://schemas.openxmlformats.org/drawingml/2006/main" xmlns:r="http://schemas.openxmlformats.org/officeDocument/2006/relationships" xmlns:p="http://schemas.openxmlformats.org/presentationml/2006/main">
+  <p:cSld>
+    <p:spTree>
+      <p:nvGrpSpPr>
+        <p:cNvPr id="1" name=""/>
+        <p:cNvGrpSpPr/>
+        <p:nvPr/>
+      </p:nvGrpSpPr>
+      <p:grpSpPr>
+        <a:xfrm>
+          <a:off x="0" y="0"/>
+          <a:ext cx="0" cy="0"/>
+          <a:chOff x="0" y="0"/>
+          <a:chExt cx="0" cy="0"/>
+        </a:xfrm>
+      </p:grpSpPr>
+      <p:sp>
+        <p:nvSpPr>
+          <p:cNvPr id="6" name="Title 5"/>
+          <p:cNvSpPr>
+            <a:spLocks noGrp="1"/>
+          </p:cNvSpPr>
+          <p:nvPr>
+            <p:ph type="ctrTitle"/>
+          </p:nvPr>
+        </p:nvSpPr>
+        <p:spPr/>
+        <p:txBody>
+          <a:bodyPr/>
+          <a:p>
+            <a:r>
+              <a:rPr lang="en-US"/>
+              <a:t>JPMS: Module Path</a:t>
+            </a:r>
+            <a:endParaRPr lang="en-US"/>
+          </a:p>
+        </p:txBody>
+      </p:sp>
+      <p:pic>
+        <p:nvPicPr>
+          <p:cNvPr id="4" name="Picture Placeholder 3"/>
+          <p:cNvPicPr>
+            <a:picLocks noChangeAspect="1"/>
+          </p:cNvPicPr>
+          <p:nvPr>
+            <p:ph type="pic" sz="quarter" idx="12"/>
+          </p:nvPr>
+        </p:nvPicPr>
+        <p:blipFill>
+          <a:blip r:embed="rId1"/>
+          <a:stretch>
+            <a:fillRect/>
+          </a:stretch>
+        </p:blipFill>
+        <p:spPr>
+          <a:xfrm>
+            <a:off x="6548120" y="1819910"/>
+            <a:ext cx="5349875" cy="4128770"/>
+          </a:xfrm>
+          <a:prstGeom prst="rect">
+            <a:avLst/>
+          </a:prstGeom>
+        </p:spPr>
+      </p:pic>
+      <p:pic>
+        <p:nvPicPr>
+          <p:cNvPr id="8" name="Content Placeholder 7"/>
+          <p:cNvPicPr>
+            <a:picLocks noChangeAspect="1"/>
+          </p:cNvPicPr>
+          <p:nvPr>
+            <p:ph sz="quarter" idx="11"/>
+          </p:nvPr>
+        </p:nvPicPr>
+        <p:blipFill>
+          <a:blip r:embed="rId2"/>
+          <a:stretch>
+            <a:fillRect/>
+          </a:stretch>
+        </p:blipFill>
+        <p:spPr>
+          <a:xfrm>
+            <a:off x="234950" y="1819910"/>
+            <a:ext cx="5960110" cy="4138295"/>
+          </a:xfrm>
+          <a:prstGeom prst="rect">
+            <a:avLst/>
+          </a:prstGeom>
+        </p:spPr>
+      </p:pic>
+    </p:spTree>
+  </p:cSld>
+  <p:clrMapOvr>
+    <a:masterClrMapping/>
+  </p:clrMapOvr>
+</p:sld>
+</file>
+
+<file path=ppt/slides/slide11.xml><?xml version="1.0" encoding="utf-8"?>
+<p:sld xmlns:a="http://schemas.openxmlformats.org/drawingml/2006/main" xmlns:r="http://schemas.openxmlformats.org/officeDocument/2006/relationships" xmlns:p="http://schemas.openxmlformats.org/presentationml/2006/main">
+  <p:cSld>
+    <p:spTree>
+      <p:nvGrpSpPr>
+        <p:cNvPr id="1" name=""/>
+        <p:cNvGrpSpPr/>
+        <p:nvPr/>
+      </p:nvGrpSpPr>
+      <p:grpSpPr>
+        <a:xfrm>
+          <a:off x="0" y="0"/>
+          <a:ext cx="0" cy="0"/>
+          <a:chOff x="0" y="0"/>
+          <a:chExt cx="0" cy="0"/>
+        </a:xfrm>
+      </p:grpSpPr>
+      <p:sp>
+        <p:nvSpPr>
+          <p:cNvPr id="4" name="Content Placeholder 3"/>
+          <p:cNvSpPr>
+            <a:spLocks noGrp="1"/>
+          </p:cNvSpPr>
+          <p:nvPr>
+            <p:ph sz="quarter" idx="10"/>
+          </p:nvPr>
+        </p:nvSpPr>
+        <p:spPr/>
+        <p:txBody>
+          <a:bodyPr/>
+          <a:lstStyle/>
+          <a:p>
+            <a:r>
+              <a:rPr lang="en-US" sz="3000"/>
+              <a:t>JPMS: Migration challenges</a:t>
+            </a:r>
+            <a:endParaRPr lang="en-US" sz="3000"/>
+          </a:p>
+        </p:txBody>
+      </p:sp>
+      <p:sp>
+        <p:nvSpPr>
+          <p:cNvPr id="5" name="Text Placeholder 4"/>
+          <p:cNvSpPr>
+            <a:spLocks noGrp="1"/>
+          </p:cNvSpPr>
+          <p:nvPr>
+            <p:ph type="body" sz="quarter" idx="11"/>
+          </p:nvPr>
+        </p:nvSpPr>
+        <p:spPr>
+          <a:xfrm>
+            <a:off x="1080770" y="1932940"/>
+            <a:ext cx="8473440" cy="4109720"/>
+          </a:xfrm>
+        </p:spPr>
+        <p:txBody>
+          <a:bodyPr/>
+          <a:lstStyle/>
+          <a:p>
+            <a:pPr>
+              <a:lnSpc>
+                <a:spcPct val="150000"/>
+              </a:lnSpc>
+            </a:pPr>
+            <a:r>
+              <a:rPr lang="en-US" sz="2600" b="1">
+                <a:sym typeface="+mn-ea"/>
+              </a:rPr>
+              <a:t>Encapsulated JDK internal APIs</a:t>
+            </a:r>
+            <a:endParaRPr lang="en-US" sz="2600" b="1">
+              <a:sym typeface="+mn-ea"/>
+            </a:endParaRPr>
+          </a:p>
+          <a:p>
+            <a:pPr>
+              <a:lnSpc>
+                <a:spcPct val="150000"/>
+              </a:lnSpc>
+            </a:pPr>
+            <a:r>
+              <a:rPr lang="en-US" sz="2600" b="1">
+                <a:sym typeface="+mn-ea"/>
+              </a:rPr>
+              <a:t>Cyclic dependencies</a:t>
+            </a:r>
+            <a:endParaRPr lang="en-US" sz="2600" b="1"/>
+          </a:p>
+          <a:p>
+            <a:pPr>
+              <a:lnSpc>
+                <a:spcPct val="150000"/>
+              </a:lnSpc>
+            </a:pPr>
+            <a:r>
+              <a:rPr lang="en-US" sz="2600" b="1">
+                <a:sym typeface="+mn-ea"/>
+              </a:rPr>
+              <a:t>Split package</a:t>
+            </a:r>
+            <a:endParaRPr lang="en-US" sz="2600" b="1">
+              <a:sym typeface="+mn-ea"/>
+            </a:endParaRPr>
+          </a:p>
+          <a:p>
+            <a:pPr>
+              <a:lnSpc>
+                <a:spcPct val="150000"/>
+              </a:lnSpc>
+            </a:pPr>
+            <a:r>
+              <a:rPr lang="en-US" sz="2600" b="1">
+                <a:sym typeface="+mn-ea"/>
+              </a:rPr>
+              <a:t>Deprecated java.ee, removed methods &amp; libraries</a:t>
+            </a:r>
+            <a:endParaRPr lang="en-US" sz="2600" b="1">
+              <a:sym typeface="+mn-ea"/>
+            </a:endParaRPr>
+          </a:p>
+          <a:p>
+            <a:pPr>
+              <a:lnSpc>
+                <a:spcPct val="150000"/>
+              </a:lnSpc>
+            </a:pPr>
+            <a:r>
+              <a:rPr lang="en-US" sz="2600" b="1"/>
+              <a:t>Limited support of </a:t>
+            </a:r>
+            <a:r>
+              <a:rPr lang="en-US" sz="2600" b="1">
+                <a:sym typeface="+mn-ea"/>
+              </a:rPr>
+              <a:t>jlink &amp; </a:t>
+            </a:r>
+            <a:r>
+              <a:rPr lang="en-US" sz="2600" b="1"/>
+              <a:t>build plugin to build runtime image</a:t>
+            </a:r>
+            <a:endParaRPr lang="en-US" sz="2600" b="1"/>
+          </a:p>
+        </p:txBody>
+      </p:sp>
+      <p:sp>
+        <p:nvSpPr>
+          <p:cNvPr id="2" name="Text Placeholder 4"/>
+          <p:cNvSpPr>
+            <a:spLocks noGrp="1"/>
+          </p:cNvSpPr>
+          <p:nvPr/>
+        </p:nvSpPr>
+        <p:spPr>
+          <a:xfrm>
+            <a:off x="6494145" y="1825625"/>
+            <a:ext cx="6089650" cy="3625215"/>
+          </a:xfrm>
+          <a:prstGeom prst="rect">
+            <a:avLst/>
+          </a:prstGeom>
+        </p:spPr>
+        <p:txBody>
+          <a:bodyPr/>
+          <a:lstStyle>
+            <a:lvl1pPr marL="228600" indent="-228600" algn="l" defTabSz="914400" rtl="0" eaLnBrk="1" latinLnBrk="0" hangingPunct="1">
+              <a:lnSpc>
+                <a:spcPct val="90000"/>
+              </a:lnSpc>
+              <a:spcBef>
+                <a:spcPts val="1000"/>
+              </a:spcBef>
+              <a:buClr>
+                <a:schemeClr val="accent1"/>
+              </a:buClr>
+              <a:buFont typeface="Arial" panose="020B0604020202020204" pitchFamily="34" charset="0"/>
+              <a:buChar char="•"/>
+              <a:defRPr sz="2000" kern="1200" baseline="0">
+                <a:solidFill>
+                  <a:schemeClr val="tx1"/>
+                </a:solidFill>
+                <a:latin typeface="+mn-lt"/>
+                <a:ea typeface="+mn-ea"/>
+                <a:cs typeface="+mn-cs"/>
+              </a:defRPr>
+            </a:lvl1pPr>
+            <a:lvl2pPr marL="685800" indent="-228600" algn="l" defTabSz="914400" rtl="0" eaLnBrk="1" latinLnBrk="0" hangingPunct="1">
+              <a:lnSpc>
+                <a:spcPct val="90000"/>
+              </a:lnSpc>
+              <a:spcBef>
+                <a:spcPts val="500"/>
+              </a:spcBef>
+              <a:buClr>
+                <a:srgbClr val="02A9F7"/>
+              </a:buClr>
+              <a:buFont typeface="Arial" panose="020B0604020202020204" pitchFamily="34" charset="0"/>
+              <a:buChar char="‒"/>
+              <a:defRPr sz="1800" kern="1200" baseline="0">
+                <a:solidFill>
+                  <a:schemeClr val="tx1"/>
+                </a:solidFill>
+                <a:latin typeface="+mn-lt"/>
+                <a:ea typeface="+mn-ea"/>
+                <a:cs typeface="+mn-cs"/>
+              </a:defRPr>
+            </a:lvl2pPr>
+            <a:lvl3pPr marL="1143000" indent="-228600" algn="l" defTabSz="914400" rtl="0" eaLnBrk="1" latinLnBrk="0" hangingPunct="1">
+              <a:lnSpc>
+                <a:spcPct val="90000"/>
+              </a:lnSpc>
+              <a:spcBef>
+                <a:spcPts val="500"/>
+              </a:spcBef>
+              <a:buFont typeface="Arial" panose="020B0604020202020204" pitchFamily="34" charset="0"/>
+              <a:buChar char="•"/>
+              <a:defRPr sz="1600" kern="1200" baseline="0">
+                <a:solidFill>
+                  <a:schemeClr val="tx1"/>
+                </a:solidFill>
+                <a:latin typeface="+mn-lt"/>
+                <a:ea typeface="+mn-ea"/>
+                <a:cs typeface="+mn-cs"/>
+              </a:defRPr>
+            </a:lvl3pPr>
+            <a:lvl4pPr marL="1600200" indent="-228600" algn="l" defTabSz="914400" rtl="0" eaLnBrk="1" latinLnBrk="0" hangingPunct="1">
+              <a:lnSpc>
+                <a:spcPct val="90000"/>
+              </a:lnSpc>
+              <a:spcBef>
+                <a:spcPts val="500"/>
+              </a:spcBef>
+              <a:buFont typeface="Arial" panose="020B0604020202020204" pitchFamily="34" charset="0"/>
+              <a:buChar char="•"/>
+              <a:defRPr sz="1400" kern="1200">
+                <a:solidFill>
+                  <a:schemeClr val="tx1"/>
+                </a:solidFill>
+                <a:latin typeface="+mn-lt"/>
+                <a:ea typeface="+mn-ea"/>
+                <a:cs typeface="+mn-cs"/>
+              </a:defRPr>
+            </a:lvl4pPr>
+            <a:lvl5pPr marL="2057400" indent="-228600" algn="l" defTabSz="914400" rtl="0" eaLnBrk="1" latinLnBrk="0" hangingPunct="1">
+              <a:lnSpc>
+                <a:spcPct val="90000"/>
+              </a:lnSpc>
+              <a:spcBef>
+                <a:spcPts val="500"/>
+              </a:spcBef>
+              <a:buFont typeface="Arial" panose="020B0604020202020204" pitchFamily="34" charset="0"/>
+              <a:buChar char="•"/>
+              <a:defRPr sz="1200" kern="1200">
+                <a:solidFill>
+                  <a:schemeClr val="tx1"/>
+                </a:solidFill>
+                <a:latin typeface="+mn-lt"/>
+                <a:ea typeface="+mn-ea"/>
+                <a:cs typeface="+mn-cs"/>
+              </a:defRPr>
+            </a:lvl5pPr>
+            <a:lvl6pPr marL="2514600" indent="-228600" algn="l" defTabSz="914400" rtl="0" eaLnBrk="1" latinLnBrk="0" hangingPunct="1">
+              <a:lnSpc>
+                <a:spcPct val="90000"/>
+              </a:lnSpc>
+              <a:spcBef>
+                <a:spcPts val="500"/>
+              </a:spcBef>
+              <a:buFont typeface="Arial" panose="020B0604020202020204" pitchFamily="34" charset="0"/>
+              <a:buChar char="•"/>
+              <a:defRPr sz="1800" kern="1200">
+                <a:solidFill>
+                  <a:schemeClr val="tx1"/>
+                </a:solidFill>
+                <a:latin typeface="+mn-lt"/>
+                <a:ea typeface="+mn-ea"/>
+                <a:cs typeface="+mn-cs"/>
+              </a:defRPr>
+            </a:lvl6pPr>
+            <a:lvl7pPr marL="2971800" indent="-228600" algn="l" defTabSz="914400" rtl="0" eaLnBrk="1" latinLnBrk="0" hangingPunct="1">
+              <a:lnSpc>
+                <a:spcPct val="90000"/>
+              </a:lnSpc>
+              <a:spcBef>
+                <a:spcPts val="500"/>
+              </a:spcBef>
+              <a:buFont typeface="Arial" panose="020B0604020202020204" pitchFamily="34" charset="0"/>
+              <a:buChar char="•"/>
+              <a:defRPr sz="1800" kern="1200">
+                <a:solidFill>
+                  <a:schemeClr val="tx1"/>
+                </a:solidFill>
+                <a:latin typeface="+mn-lt"/>
+                <a:ea typeface="+mn-ea"/>
+                <a:cs typeface="+mn-cs"/>
+              </a:defRPr>
+            </a:lvl7pPr>
+            <a:lvl8pPr marL="3429000" indent="-228600" algn="l" defTabSz="914400" rtl="0" eaLnBrk="1" latinLnBrk="0" hangingPunct="1">
+              <a:lnSpc>
+                <a:spcPct val="90000"/>
+              </a:lnSpc>
+              <a:spcBef>
+                <a:spcPts val="500"/>
+              </a:spcBef>
+              <a:buFont typeface="Arial" panose="020B0604020202020204" pitchFamily="34" charset="0"/>
+              <a:buChar char="•"/>
+              <a:defRPr sz="1800" kern="1200">
+                <a:solidFill>
+                  <a:schemeClr val="tx1"/>
+                </a:solidFill>
+                <a:latin typeface="+mn-lt"/>
+                <a:ea typeface="+mn-ea"/>
+                <a:cs typeface="+mn-cs"/>
+              </a:defRPr>
+            </a:lvl8pPr>
+            <a:lvl9pPr marL="3886200" indent="-228600" algn="l" defTabSz="914400" rtl="0" eaLnBrk="1" latinLnBrk="0" hangingPunct="1">
+              <a:lnSpc>
+                <a:spcPct val="90000"/>
+              </a:lnSpc>
+              <a:spcBef>
+                <a:spcPts val="500"/>
+              </a:spcBef>
+              <a:buFont typeface="Arial" panose="020B0604020202020204" pitchFamily="34" charset="0"/>
+              <a:buChar char="•"/>
+              <a:defRPr sz="1800" kern="1200">
+                <a:solidFill>
+                  <a:schemeClr val="tx1"/>
+                </a:solidFill>
+                <a:latin typeface="+mn-lt"/>
+                <a:ea typeface="+mn-ea"/>
+                <a:cs typeface="+mn-cs"/>
+              </a:defRPr>
+            </a:lvl9pPr>
+          </a:lstStyle>
+          <a:p>
+            <a:pPr>
+              <a:lnSpc>
+                <a:spcPct val="140000"/>
+              </a:lnSpc>
+            </a:pPr>
+            <a:endParaRPr lang="en-US" sz="2600" b="1"/>
+          </a:p>
+        </p:txBody>
+      </p:sp>
+    </p:spTree>
+  </p:cSld>
+  <p:clrMapOvr>
+    <a:masterClrMapping/>
+  </p:clrMapOvr>
+</p:sld>
+</file>
+
+<file path=ppt/slides/slide12.xml><?xml version="1.0" encoding="utf-8"?>
+<p:sld xmlns:a="http://schemas.openxmlformats.org/drawingml/2006/main" xmlns:r="http://schemas.openxmlformats.org/officeDocument/2006/relationships" xmlns:p="http://schemas.openxmlformats.org/presentationml/2006/main">
+  <p:cSld>
+    <p:spTree>
+      <p:nvGrpSpPr>
+        <p:cNvPr id="1" name=""/>
+        <p:cNvGrpSpPr/>
+        <p:nvPr/>
+      </p:nvGrpSpPr>
+      <p:grpSpPr>
+        <a:xfrm>
+          <a:off x="0" y="0"/>
+          <a:ext cx="0" cy="0"/>
+          <a:chOff x="0" y="0"/>
+          <a:chExt cx="0" cy="0"/>
+        </a:xfrm>
+      </p:grpSpPr>
+      <p:sp>
+        <p:nvSpPr>
+          <p:cNvPr id="4" name="Content Placeholder 3"/>
+          <p:cNvSpPr>
+            <a:spLocks noGrp="1"/>
+          </p:cNvSpPr>
+          <p:nvPr>
+            <p:ph sz="quarter" idx="10"/>
+          </p:nvPr>
+        </p:nvSpPr>
+        <p:spPr/>
+        <p:txBody>
+          <a:bodyPr/>
+          <a:lstStyle/>
+          <a:p>
+            <a:r>
+              <a:rPr lang="en-US" sz="3000"/>
+              <a:t>JPMS: Get started</a:t>
+            </a:r>
+            <a:endParaRPr lang="en-US" sz="3000"/>
+          </a:p>
+        </p:txBody>
+      </p:sp>
+      <p:sp>
+        <p:nvSpPr>
+          <p:cNvPr id="5" name="Text Placeholder 4"/>
+          <p:cNvSpPr>
+            <a:spLocks noGrp="1"/>
+          </p:cNvSpPr>
+          <p:nvPr>
+            <p:ph type="body" sz="quarter" idx="11"/>
+          </p:nvPr>
+        </p:nvSpPr>
+        <p:spPr>
+          <a:xfrm>
+            <a:off x="838200" y="1447800"/>
+            <a:ext cx="9601835" cy="4678045"/>
+          </a:xfrm>
+        </p:spPr>
+        <p:txBody>
+          <a:bodyPr/>
+          <a:lstStyle/>
+          <a:p>
+            <a:pPr>
+              <a:lnSpc>
+                <a:spcPct val="170000"/>
+              </a:lnSpc>
+            </a:pPr>
+            <a:r>
+              <a:rPr lang="en-US" sz="2600" b="1">
+                <a:sym typeface="+mn-ea"/>
+              </a:rPr>
+              <a:t>Step 1: Upgrade your dependencies</a:t>
+            </a:r>
+            <a:endParaRPr lang="en-US" sz="2600" b="1">
+              <a:sym typeface="+mn-ea"/>
+            </a:endParaRPr>
+          </a:p>
+          <a:p>
+            <a:pPr>
+              <a:lnSpc>
+                <a:spcPct val="170000"/>
+              </a:lnSpc>
+            </a:pPr>
+            <a:r>
+              <a:rPr lang="en-US" sz="2600" b="1"/>
+              <a:t>Step 2: Determine module's boundary</a:t>
+            </a:r>
+            <a:endParaRPr lang="en-US" sz="2600" b="1"/>
+          </a:p>
+          <a:p>
+            <a:pPr>
+              <a:lnSpc>
+                <a:spcPct val="170000"/>
+              </a:lnSpc>
+            </a:pPr>
+            <a:r>
+              <a:rPr lang="en-US" sz="2600" b="1"/>
+              <a:t>Step 3: Prepare module structure &amp; refactor code</a:t>
+            </a:r>
+            <a:endParaRPr lang="en-US" sz="2600" b="1"/>
+          </a:p>
+          <a:p>
+            <a:pPr>
+              <a:lnSpc>
+                <a:spcPct val="170000"/>
+              </a:lnSpc>
+            </a:pPr>
+            <a:r>
+              <a:rPr lang="en-US" sz="2600" b="1"/>
+              <a:t>Step 4: Add module descriptors bottom-up</a:t>
+            </a:r>
+            <a:endParaRPr lang="en-US" sz="2600" b="1"/>
+          </a:p>
+          <a:p>
+            <a:pPr>
+              <a:lnSpc>
+                <a:spcPct val="170000"/>
+              </a:lnSpc>
+            </a:pPr>
+            <a:r>
+              <a:rPr lang="en-US" sz="2600" b="1"/>
+              <a:t>Step 5: Resolve issues at boot time</a:t>
+            </a:r>
+            <a:endParaRPr lang="en-US" sz="2600" b="1"/>
+          </a:p>
+          <a:p>
+            <a:pPr>
+              <a:lnSpc>
+                <a:spcPct val="170000"/>
+              </a:lnSpc>
+            </a:pPr>
+            <a:r>
+              <a:rPr lang="en-US" sz="2600" b="1"/>
+              <a:t>Step 6: Test all paths to make sure </a:t>
+            </a:r>
+            <a:r>
+              <a:rPr lang="vi-VN" altLang="en-US" sz="2600" b="1"/>
+              <a:t>the </a:t>
+            </a:r>
+            <a:r>
+              <a:rPr lang="en-US" sz="2600" b="1"/>
+              <a:t>aplication work</a:t>
+            </a:r>
+            <a:endParaRPr lang="en-US" sz="2600" b="1"/>
+          </a:p>
+        </p:txBody>
+      </p:sp>
+    </p:spTree>
+  </p:cSld>
+  <p:clrMapOvr>
+    <a:masterClrMapping/>
+  </p:clrMapOvr>
+</p:sld>
+</file>
+
 <file path=ppt/slides/slide2.xml><?xml version="1.0" encoding="utf-8"?>
 <p:sld xmlns:a="http://schemas.openxmlformats.org/drawingml/2006/main" xmlns:r="http://schemas.openxmlformats.org/officeDocument/2006/relationships" xmlns:p="http://schemas.openxmlformats.org/presentationml/2006/main">
   <p:cSld>
@@ -1919,7 +2570,7 @@
         </p:nvSpPr>
         <p:spPr>
           <a:xfrm>
-            <a:off x="838200" y="1671320"/>
+            <a:off x="838200" y="1457325"/>
             <a:ext cx="4804410" cy="3515995"/>
           </a:xfrm>
         </p:spPr>
@@ -1931,10 +2582,10 @@
               <a:buNone/>
             </a:pPr>
             <a:r>
-              <a:rPr lang="en-US" sz="2600" b="1"/>
+              <a:rPr lang="en-US" sz="2400" b="1"/>
               <a:t>JDK1 - JDK8</a:t>
             </a:r>
-            <a:endParaRPr lang="en-US" sz="2600" b="1"/>
+            <a:endParaRPr lang="en-US" sz="2400" b="1"/>
           </a:p>
           <a:p>
             <a:pPr algn="l">
@@ -1943,14 +2594,14 @@
               </a:lnSpc>
             </a:pPr>
             <a:r>
-              <a:rPr lang="en-US" sz="2300" b="1">
+              <a:rPr lang="en-US" b="1">
                 <a:solidFill>
                   <a:srgbClr val="02A9F7"/>
                 </a:solidFill>
               </a:rPr>
               <a:t>Programs are packages</a:t>
             </a:r>
-            <a:endParaRPr lang="en-US" sz="2300" b="1">
+            <a:endParaRPr lang="en-US" b="1">
               <a:solidFill>
                 <a:srgbClr val="02A9F7"/>
               </a:solidFill>
@@ -1963,14 +2614,14 @@
               </a:lnSpc>
             </a:pPr>
             <a:r>
-              <a:rPr lang="en-US" sz="2300" b="1">
+              <a:rPr lang="en-US" b="1">
                 <a:solidFill>
                   <a:srgbClr val="02A9F7"/>
                 </a:solidFill>
               </a:rPr>
               <a:t>Accessibility</a:t>
             </a:r>
-            <a:endParaRPr lang="en-US" sz="2300" b="1">
+            <a:endParaRPr lang="en-US" b="1">
               <a:solidFill>
                 <a:srgbClr val="02A9F7"/>
               </a:solidFill>
@@ -1983,14 +2634,14 @@
               </a:lnSpc>
             </a:pPr>
             <a:r>
-              <a:rPr lang="en-US" sz="2300" b="1">
+              <a:rPr lang="en-US" b="1">
                 <a:solidFill>
                   <a:srgbClr val="02A9F7"/>
                 </a:solidFill>
               </a:rPr>
               <a:t>JDK as a whole</a:t>
             </a:r>
-            <a:endParaRPr lang="en-US" sz="2300" b="1">
+            <a:endParaRPr lang="en-US" b="1">
               <a:solidFill>
                 <a:srgbClr val="02A9F7"/>
               </a:solidFill>
@@ -2008,7 +2659,7 @@
         </p:nvSpPr>
         <p:spPr>
           <a:xfrm>
-            <a:off x="6391275" y="1671320"/>
+            <a:off x="6299200" y="1457325"/>
             <a:ext cx="5509895" cy="4595495"/>
           </a:xfrm>
           <a:prstGeom prst="rect">
@@ -2195,12 +2846,12 @@
               <a:buNone/>
             </a:pPr>
             <a:r>
-              <a:rPr lang="en-US" sz="2600" b="1" i="1">
+              <a:rPr lang="en-US" sz="2400" b="1" i="1">
                 <a:sym typeface="+mn-ea"/>
               </a:rPr>
               <a:t>&gt;= JDK 9</a:t>
             </a:r>
-            <a:endParaRPr lang="en-US" sz="2600" b="1" i="1">
+            <a:endParaRPr lang="en-US" sz="2400" b="1" i="1">
               <a:sym typeface="+mn-ea"/>
             </a:endParaRPr>
           </a:p>
@@ -2211,14 +2862,14 @@
               </a:lnSpc>
             </a:pPr>
             <a:r>
-              <a:rPr lang="en-US" sz="2300" b="1">
+              <a:rPr lang="en-US" b="1">
                 <a:solidFill>
                   <a:srgbClr val="02A9F7"/>
                 </a:solidFill>
               </a:rPr>
               <a:t>Programs are modules</a:t>
             </a:r>
-            <a:endParaRPr lang="en-US" sz="2300" b="1">
+            <a:endParaRPr lang="en-US" b="1">
               <a:solidFill>
                 <a:srgbClr val="02A9F7"/>
               </a:solidFill>
@@ -2231,14 +2882,14 @@
               </a:lnSpc>
             </a:pPr>
             <a:r>
-              <a:rPr lang="en-US" sz="2300" b="1">
+              <a:rPr lang="en-US" b="1">
                 <a:solidFill>
                   <a:srgbClr val="02A9F7"/>
                 </a:solidFill>
               </a:rPr>
-              <a:t>Accessibility: module-scope</a:t>
-            </a:r>
-            <a:endParaRPr lang="en-US" sz="2300" b="1">
+              <a:t>More accessibility: module-scope</a:t>
+            </a:r>
+            <a:endParaRPr lang="en-US" b="1">
               <a:solidFill>
                 <a:srgbClr val="02A9F7"/>
               </a:solidFill>
@@ -2251,14 +2902,14 @@
               </a:lnSpc>
             </a:pPr>
             <a:r>
-              <a:rPr lang="en-US" sz="2300" b="1">
+              <a:rPr lang="en-US" b="1">
                 <a:solidFill>
                   <a:srgbClr val="02A9F7"/>
                 </a:solidFill>
               </a:rPr>
               <a:t>Modular JDK</a:t>
             </a:r>
-            <a:endParaRPr lang="en-US" sz="2340" b="1" i="1"/>
+            <a:endParaRPr lang="en-US" b="1" i="1"/>
           </a:p>
           <a:p>
             <a:pPr marL="0" indent="0" algn="l">
@@ -2267,108 +2918,10 @@
               </a:lnSpc>
               <a:buNone/>
             </a:pPr>
-            <a:endParaRPr lang="en-US" sz="2600" b="1" i="1"/>
+            <a:endParaRPr lang="en-US" b="1" i="1"/>
           </a:p>
         </p:txBody>
       </p:sp>
-      <p:graphicFrame>
-        <p:nvGraphicFramePr>
-          <p:cNvPr id="11" name="Object 10"/>
-          <p:cNvGraphicFramePr/>
-          <p:nvPr/>
-        </p:nvGraphicFramePr>
-        <p:xfrm>
-          <a:off x="1317625" y="3814445"/>
-          <a:ext cx="3023235" cy="2620010"/>
-        </p:xfrm>
-        <a:graphic>
-          <a:graphicData uri="http://schemas.openxmlformats.org/presentationml/2006/ole">
-            <mc:AlternateContent xmlns:mc="http://schemas.openxmlformats.org/markup-compatibility/2006">
-              <mc:Choice xmlns:v="urn:schemas-microsoft-com:vml" Requires="v">
-                <p:oleObj spid="_x0000_s12" name="" r:id="rId1" imgW="1790700" imgH="1704975" progId="Paint.Picture">
-                  <p:embed/>
-                </p:oleObj>
-              </mc:Choice>
-              <mc:Fallback>
-                <p:oleObj name="" r:id="rId1" imgW="1790700" imgH="1704975" progId="Paint.Picture">
-                  <p:embed/>
-                  <p:pic>
-                    <p:nvPicPr>
-                      <p:cNvPr id="0" name="Picture 11"/>
-                      <p:cNvPicPr/>
-                      <p:nvPr/>
-                    </p:nvPicPr>
-                    <p:blipFill>
-                      <a:blip r:embed="rId2"/>
-                      <a:stretch>
-                        <a:fillRect/>
-                      </a:stretch>
-                    </p:blipFill>
-                    <p:spPr>
-                      <a:xfrm>
-                        <a:off x="1317625" y="3814445"/>
-                        <a:ext cx="3023235" cy="2620010"/>
-                      </a:xfrm>
-                      <a:prstGeom prst="rect">
-                        <a:avLst/>
-                      </a:prstGeom>
-                    </p:spPr>
-                  </p:pic>
-                </p:oleObj>
-              </mc:Fallback>
-            </mc:AlternateContent>
-          </a:graphicData>
-        </a:graphic>
-      </p:graphicFrame>
-      <p:graphicFrame>
-        <p:nvGraphicFramePr>
-          <p:cNvPr id="13" name="Object 12"/>
-          <p:cNvGraphicFramePr/>
-          <p:nvPr/>
-        </p:nvGraphicFramePr>
-        <p:xfrm>
-          <a:off x="7035800" y="3814445"/>
-          <a:ext cx="3308985" cy="2620010"/>
-        </p:xfrm>
-        <a:graphic>
-          <a:graphicData uri="http://schemas.openxmlformats.org/presentationml/2006/ole">
-            <mc:AlternateContent xmlns:mc="http://schemas.openxmlformats.org/markup-compatibility/2006">
-              <mc:Choice xmlns:v="urn:schemas-microsoft-com:vml" Requires="v">
-                <p:oleObj spid="_x0000_s14" name="" r:id="rId3" imgW="2076450" imgH="1676400" progId="Paint.Picture">
-                  <p:embed/>
-                </p:oleObj>
-              </mc:Choice>
-              <mc:Fallback>
-                <p:oleObj name="" r:id="rId3" imgW="2076450" imgH="1676400" progId="Paint.Picture">
-                  <p:embed/>
-                  <p:pic>
-                    <p:nvPicPr>
-                      <p:cNvPr id="0" name="Picture 13"/>
-                      <p:cNvPicPr/>
-                      <p:nvPr/>
-                    </p:nvPicPr>
-                    <p:blipFill>
-                      <a:blip r:embed="rId4"/>
-                      <a:stretch>
-                        <a:fillRect/>
-                      </a:stretch>
-                    </p:blipFill>
-                    <p:spPr>
-                      <a:xfrm>
-                        <a:off x="7035800" y="3814445"/>
-                        <a:ext cx="3308985" cy="2620010"/>
-                      </a:xfrm>
-                      <a:prstGeom prst="rect">
-                        <a:avLst/>
-                      </a:prstGeom>
-                    </p:spPr>
-                  </p:pic>
-                </p:oleObj>
-              </mc:Fallback>
-            </mc:AlternateContent>
-          </a:graphicData>
-        </a:graphic>
-      </p:graphicFrame>
       <p:cxnSp>
         <p:nvCxnSpPr>
           <p:cNvPr id="15" name="Straight Connector 14"/>
@@ -2377,7 +2930,7 @@
         </p:nvCxnSpPr>
         <p:spPr>
           <a:xfrm>
-            <a:off x="5424170" y="1778000"/>
+            <a:off x="5424170" y="1625600"/>
             <a:ext cx="0" cy="4585970"/>
           </a:xfrm>
           <a:prstGeom prst="line">
@@ -2400,6 +2953,54 @@
           </a:fontRef>
         </p:style>
       </p:cxnSp>
+      <p:pic>
+        <p:nvPicPr>
+          <p:cNvPr id="6" name="Picture 5"/>
+          <p:cNvPicPr>
+            <a:picLocks noChangeAspect="1"/>
+          </p:cNvPicPr>
+          <p:nvPr/>
+        </p:nvPicPr>
+        <p:blipFill>
+          <a:blip r:embed="rId1"/>
+          <a:stretch>
+            <a:fillRect/>
+          </a:stretch>
+        </p:blipFill>
+        <p:spPr>
+          <a:xfrm>
+            <a:off x="7305040" y="3208655"/>
+            <a:ext cx="2252980" cy="3372485"/>
+          </a:xfrm>
+          <a:prstGeom prst="rect">
+            <a:avLst/>
+          </a:prstGeom>
+        </p:spPr>
+      </p:pic>
+      <p:pic>
+        <p:nvPicPr>
+          <p:cNvPr id="9" name="Picture 8"/>
+          <p:cNvPicPr>
+            <a:picLocks noChangeAspect="1"/>
+          </p:cNvPicPr>
+          <p:nvPr/>
+        </p:nvPicPr>
+        <p:blipFill>
+          <a:blip r:embed="rId2"/>
+          <a:stretch>
+            <a:fillRect/>
+          </a:stretch>
+        </p:blipFill>
+        <p:spPr>
+          <a:xfrm>
+            <a:off x="1378585" y="3230245"/>
+            <a:ext cx="1857375" cy="3350895"/>
+          </a:xfrm>
+          <a:prstGeom prst="rect">
+            <a:avLst/>
+          </a:prstGeom>
+        </p:spPr>
+      </p:pic>
     </p:spTree>
   </p:cSld>
   <p:clrMapOvr>
@@ -2975,7 +3576,7 @@
             </a:pPr>
             <a:r>
               <a:rPr lang="en-US" sz="1800"/>
-              <a:t>Java Hell</a:t>
+              <a:t>Classpath Hell</a:t>
             </a:r>
             <a:endParaRPr lang="en-US" sz="1800"/>
           </a:p>
@@ -4788,8 +5389,8 @@
         </p:blipFill>
         <p:spPr>
           <a:xfrm>
-            <a:off x="383540" y="1645285"/>
-            <a:ext cx="5596255" cy="2147570"/>
+            <a:off x="1465580" y="1400810"/>
+            <a:ext cx="9260840" cy="3554095"/>
           </a:xfrm>
           <a:prstGeom prst="rect">
             <a:avLst/>
@@ -4798,7 +5399,7 @@
       </p:pic>
       <p:pic>
         <p:nvPicPr>
-          <p:cNvPr id="2" name="Content Placeholder 1"/>
+          <p:cNvPr id="13" name="Picture 12"/>
           <p:cNvPicPr>
             <a:picLocks noChangeAspect="1"/>
           </p:cNvPicPr>
@@ -4812,119 +5413,166 @@
         </p:blipFill>
         <p:spPr>
           <a:xfrm>
-            <a:off x="573405" y="4070985"/>
-            <a:ext cx="4759960" cy="2243455"/>
+            <a:off x="2282190" y="5078730"/>
+            <a:ext cx="4521200" cy="1404620"/>
           </a:xfrm>
           <a:prstGeom prst="rect">
             <a:avLst/>
           </a:prstGeom>
         </p:spPr>
       </p:pic>
-      <p:graphicFrame>
-        <p:nvGraphicFramePr>
-          <p:cNvPr id="7" name="Object 6"/>
-          <p:cNvGraphicFramePr>
-            <a:graphicFrameLocks noChangeAspect="1"/>
-          </p:cNvGraphicFramePr>
+      <p:pic>
+        <p:nvPicPr>
+          <p:cNvPr id="14" name="Picture 13"/>
+          <p:cNvPicPr>
+            <a:picLocks noChangeAspect="1"/>
+          </p:cNvPicPr>
           <p:nvPr/>
-        </p:nvGraphicFramePr>
-        <p:xfrm>
-          <a:off x="6736715" y="1565275"/>
-          <a:ext cx="4778375" cy="2307590"/>
-        </p:xfrm>
-        <a:graphic>
-          <a:graphicData uri="http://schemas.openxmlformats.org/presentationml/2006/ole">
-            <mc:AlternateContent xmlns:mc="http://schemas.openxmlformats.org/markup-compatibility/2006">
-              <mc:Choice xmlns:v="urn:schemas-microsoft-com:vml" Requires="v">
-                <p:oleObj spid="_x0000_s8" name="" r:id="rId3" imgW="11658600" imgH="5629275" progId="Paint.Picture">
-                  <p:embed/>
-                </p:oleObj>
-              </mc:Choice>
-              <mc:Fallback>
-                <p:oleObj name="" r:id="rId3" imgW="11658600" imgH="5629275" progId="Paint.Picture">
-                  <p:embed/>
-                  <p:pic>
-                    <p:nvPicPr>
-                      <p:cNvPr id="0" name="Picture 7"/>
-                      <p:cNvPicPr/>
-                      <p:nvPr/>
-                    </p:nvPicPr>
-                    <p:blipFill>
-                      <a:blip r:embed="rId4"/>
-                      <a:stretch>
-                        <a:fillRect/>
-                      </a:stretch>
-                    </p:blipFill>
-                    <p:spPr>
-                      <a:xfrm>
-                        <a:off x="6736715" y="1565275"/>
-                        <a:ext cx="4778375" cy="2307590"/>
-                      </a:xfrm>
-                      <a:prstGeom prst="rect">
-                        <a:avLst/>
-                      </a:prstGeom>
-                    </p:spPr>
-                  </p:pic>
-                </p:oleObj>
-              </mc:Fallback>
-            </mc:AlternateContent>
-          </a:graphicData>
-        </a:graphic>
-      </p:graphicFrame>
-      <p:graphicFrame>
-        <p:nvGraphicFramePr>
-          <p:cNvPr id="10" name="Object 9"/>
-          <p:cNvGraphicFramePr/>
-          <p:nvPr/>
-        </p:nvGraphicFramePr>
-        <p:xfrm>
-          <a:off x="6736715" y="4512310"/>
-          <a:ext cx="4654550" cy="1631315"/>
-        </p:xfrm>
-        <a:graphic>
-          <a:graphicData uri="http://schemas.openxmlformats.org/presentationml/2006/ole">
-            <mc:AlternateContent xmlns:mc="http://schemas.openxmlformats.org/markup-compatibility/2006">
-              <mc:Choice xmlns:v="urn:schemas-microsoft-com:vml" Requires="v">
-                <p:oleObj spid="_x0000_s12" name="" r:id="rId5" imgW="4085590" imgH="11163300" progId="Paint.Picture">
-                  <p:embed/>
-                </p:oleObj>
-              </mc:Choice>
-              <mc:Fallback>
-                <p:oleObj name="" r:id="rId5" imgW="4085590" imgH="11163300" progId="Paint.Picture">
-                  <p:embed/>
-                  <p:pic>
-                    <p:nvPicPr>
-                      <p:cNvPr id="0" name="Picture 11"/>
-                      <p:cNvPicPr/>
-                      <p:nvPr/>
-                    </p:nvPicPr>
-                    <p:blipFill>
-                      <a:blip r:embed="rId6"/>
-                      <a:stretch>
-                        <a:fillRect/>
-                      </a:stretch>
-                    </p:blipFill>
-                    <p:spPr>
-                      <a:xfrm>
-                        <a:off x="6736715" y="4512310"/>
-                        <a:ext cx="4654550" cy="1631315"/>
-                      </a:xfrm>
-                      <a:prstGeom prst="rect">
-                        <a:avLst/>
-                      </a:prstGeom>
-                    </p:spPr>
-                  </p:pic>
-                </p:oleObj>
-              </mc:Fallback>
-            </mc:AlternateContent>
-          </a:graphicData>
-        </a:graphic>
-      </p:graphicFrame>
+        </p:nvPicPr>
+        <p:blipFill>
+          <a:blip r:embed="rId3"/>
+          <a:stretch>
+            <a:fillRect/>
+          </a:stretch>
+        </p:blipFill>
+        <p:spPr>
+          <a:xfrm>
+            <a:off x="7496175" y="5078730"/>
+            <a:ext cx="4295775" cy="1190625"/>
+          </a:xfrm>
+          <a:prstGeom prst="rect">
+            <a:avLst/>
+          </a:prstGeom>
+        </p:spPr>
+      </p:pic>
     </p:spTree>
   </p:cSld>
   <p:clrMapOvr>
     <a:masterClrMapping/>
   </p:clrMapOvr>
+  <p:transition>
+    <p:cut/>
+  </p:transition>
+  <p:timing>
+    <p:tnLst>
+      <p:par>
+        <p:cTn id="1" dur="indefinite" restart="never" nodeType="tmRoot">
+          <p:childTnLst>
+            <p:seq concurrent="1" nextAc="seek">
+              <p:cTn id="2" dur="indefinite" nodeType="mainSeq">
+                <p:childTnLst>
+                  <p:par>
+                    <p:cTn id="3" fill="hold">
+                      <p:stCondLst>
+                        <p:cond delay="indefinite"/>
+                      </p:stCondLst>
+                      <p:childTnLst>
+                        <p:par>
+                          <p:cTn id="4" fill="hold">
+                            <p:stCondLst>
+                              <p:cond delay="0"/>
+                            </p:stCondLst>
+                            <p:childTnLst>
+                              <p:par>
+                                <p:cTn id="5" presetID="1" presetClass="entr" presetSubtype="0" fill="hold" nodeType="clickEffect">
+                                  <p:stCondLst>
+                                    <p:cond delay="0"/>
+                                  </p:stCondLst>
+                                  <p:childTnLst>
+                                    <p:set>
+                                      <p:cBhvr>
+                                        <p:cTn id="6" dur="1" fill="hold">
+                                          <p:stCondLst>
+                                            <p:cond delay="0"/>
+                                          </p:stCondLst>
+                                        </p:cTn>
+                                        <p:tgtEl>
+                                          <p:spTgt spid="13"/>
+                                        </p:tgtEl>
+                                        <p:attrNameLst>
+                                          <p:attrName>style.visibility</p:attrName>
+                                        </p:attrNameLst>
+                                      </p:cBhvr>
+                                      <p:to>
+                                        <p:strVal val="visible"/>
+                                      </p:to>
+                                    </p:set>
+                                  </p:childTnLst>
+                                </p:cTn>
+                              </p:par>
+                            </p:childTnLst>
+                          </p:cTn>
+                        </p:par>
+                      </p:childTnLst>
+                    </p:cTn>
+                  </p:par>
+                  <p:par>
+                    <p:cTn id="7" fill="hold">
+                      <p:stCondLst>
+                        <p:cond delay="indefinite"/>
+                      </p:stCondLst>
+                      <p:childTnLst>
+                        <p:par>
+                          <p:cTn id="8" fill="hold">
+                            <p:stCondLst>
+                              <p:cond delay="0"/>
+                            </p:stCondLst>
+                            <p:childTnLst>
+                              <p:par>
+                                <p:cTn id="9" presetID="1" presetClass="entr" presetSubtype="0" fill="hold" nodeType="clickEffect">
+                                  <p:stCondLst>
+                                    <p:cond delay="0"/>
+                                  </p:stCondLst>
+                                  <p:childTnLst>
+                                    <p:set>
+                                      <p:cBhvr>
+                                        <p:cTn id="10" dur="1" fill="hold">
+                                          <p:stCondLst>
+                                            <p:cond delay="0"/>
+                                          </p:stCondLst>
+                                        </p:cTn>
+                                        <p:tgtEl>
+                                          <p:spTgt spid="14"/>
+                                        </p:tgtEl>
+                                        <p:attrNameLst>
+                                          <p:attrName>style.visibility</p:attrName>
+                                        </p:attrNameLst>
+                                      </p:cBhvr>
+                                      <p:to>
+                                        <p:strVal val="visible"/>
+                                      </p:to>
+                                    </p:set>
+                                  </p:childTnLst>
+                                </p:cTn>
+                              </p:par>
+                            </p:childTnLst>
+                          </p:cTn>
+                        </p:par>
+                      </p:childTnLst>
+                    </p:cTn>
+                  </p:par>
+                </p:childTnLst>
+              </p:cTn>
+              <p:prevCondLst>
+                <p:cond evt="onPrev" delay="0">
+                  <p:tgtEl>
+                    <p:sldTgt/>
+                  </p:tgtEl>
+                </p:cond>
+              </p:prevCondLst>
+              <p:nextCondLst>
+                <p:cond evt="onNext" delay="0">
+                  <p:tgtEl>
+                    <p:sldTgt/>
+                  </p:tgtEl>
+                </p:cond>
+              </p:nextCondLst>
+            </p:seq>
+          </p:childTnLst>
+        </p:cTn>
+      </p:par>
+    </p:tnLst>
+  </p:timing>
 </p:sld>
 </file>
 
@@ -4961,7 +5609,7 @@
           <a:p>
             <a:r>
               <a:rPr lang="en-US"/>
-              <a:t>JPMS: Module Path</a:t>
+              <a:t>JPMS: Declaration</a:t>
             </a:r>
             <a:endParaRPr lang="en-US"/>
           </a:p>
@@ -4969,13 +5617,11 @@
       </p:sp>
       <p:pic>
         <p:nvPicPr>
-          <p:cNvPr id="4" name="Picture Placeholder 3"/>
+          <p:cNvPr id="16" name="Picture 15" descr="Untitled"/>
           <p:cNvPicPr>
             <a:picLocks noChangeAspect="1"/>
           </p:cNvPicPr>
-          <p:nvPr>
-            <p:ph type="pic" sz="quarter" idx="12"/>
-          </p:nvPr>
+          <p:nvPr/>
         </p:nvPicPr>
         <p:blipFill>
           <a:blip r:embed="rId1"/>
@@ -4985,34 +5631,8 @@
         </p:blipFill>
         <p:spPr>
           <a:xfrm>
-            <a:off x="6548120" y="1819910"/>
-            <a:ext cx="5349875" cy="4128770"/>
-          </a:xfrm>
-          <a:prstGeom prst="rect">
-            <a:avLst/>
-          </a:prstGeom>
-        </p:spPr>
-      </p:pic>
-      <p:pic>
-        <p:nvPicPr>
-          <p:cNvPr id="8" name="Content Placeholder 7"/>
-          <p:cNvPicPr>
-            <a:picLocks noChangeAspect="1"/>
-          </p:cNvPicPr>
-          <p:nvPr>
-            <p:ph sz="quarter" idx="11"/>
-          </p:nvPr>
-        </p:nvPicPr>
-        <p:blipFill>
-          <a:blip r:embed="rId2"/>
-          <a:stretch>
-            <a:fillRect/>
-          </a:stretch>
-        </p:blipFill>
-        <p:spPr>
-          <a:xfrm>
-            <a:off x="234950" y="1819910"/>
-            <a:ext cx="5960110" cy="4138295"/>
+            <a:off x="1261110" y="1880870"/>
+            <a:ext cx="8301990" cy="3898900"/>
           </a:xfrm>
           <a:prstGeom prst="rect">
             <a:avLst/>
@@ -5046,331 +5666,50 @@
       </p:grpSpPr>
       <p:sp>
         <p:nvSpPr>
-          <p:cNvPr id="4" name="Content Placeholder 3"/>
+          <p:cNvPr id="6" name="Title 5"/>
           <p:cNvSpPr>
             <a:spLocks noGrp="1"/>
           </p:cNvSpPr>
           <p:nvPr>
-            <p:ph sz="quarter" idx="10"/>
+            <p:ph type="ctrTitle"/>
           </p:nvPr>
         </p:nvSpPr>
         <p:spPr/>
         <p:txBody>
           <a:bodyPr/>
-          <a:lstStyle/>
-          <a:p>
-            <a:r>
-              <a:rPr lang="en-US" sz="3000"/>
-              <a:t>JPMS: Migration challenges</a:t>
-            </a:r>
-            <a:endParaRPr lang="en-US" sz="3000"/>
+          <a:p>
+            <a:r>
+              <a:rPr lang="en-US"/>
+              <a:t>JPMS: Declaration</a:t>
+            </a:r>
+            <a:endParaRPr lang="en-US"/>
           </a:p>
         </p:txBody>
       </p:sp>
-      <p:sp>
-        <p:nvSpPr>
-          <p:cNvPr id="5" name="Text Placeholder 4"/>
-          <p:cNvSpPr>
-            <a:spLocks noGrp="1"/>
-          </p:cNvSpPr>
-          <p:nvPr>
-            <p:ph type="body" sz="quarter" idx="11"/>
-          </p:nvPr>
-        </p:nvSpPr>
+      <p:pic>
+        <p:nvPicPr>
+          <p:cNvPr id="2" name="Content Placeholder 1"/>
+          <p:cNvPicPr>
+            <a:picLocks noChangeAspect="1"/>
+          </p:cNvPicPr>
+          <p:nvPr/>
+        </p:nvPicPr>
+        <p:blipFill>
+          <a:blip r:embed="rId1"/>
+          <a:stretch>
+            <a:fillRect/>
+          </a:stretch>
+        </p:blipFill>
         <p:spPr>
           <a:xfrm>
-            <a:off x="1080770" y="1932940"/>
-            <a:ext cx="8473440" cy="4109720"/>
-          </a:xfrm>
-        </p:spPr>
-        <p:txBody>
-          <a:bodyPr/>
-          <a:lstStyle/>
-          <a:p>
-            <a:pPr>
-              <a:lnSpc>
-                <a:spcPct val="150000"/>
-              </a:lnSpc>
-            </a:pPr>
-            <a:r>
-              <a:rPr lang="en-US" sz="2600" b="1">
-                <a:sym typeface="+mn-ea"/>
-              </a:rPr>
-              <a:t>Encapsulated JDK internal APIs</a:t>
-            </a:r>
-            <a:endParaRPr lang="en-US" sz="2600" b="1">
-              <a:sym typeface="+mn-ea"/>
-            </a:endParaRPr>
-          </a:p>
-          <a:p>
-            <a:pPr>
-              <a:lnSpc>
-                <a:spcPct val="150000"/>
-              </a:lnSpc>
-            </a:pPr>
-            <a:r>
-              <a:rPr lang="en-US" sz="2600" b="1">
-                <a:sym typeface="+mn-ea"/>
-              </a:rPr>
-              <a:t>Cyclic dependencies</a:t>
-            </a:r>
-            <a:endParaRPr lang="en-US" sz="2600" b="1"/>
-          </a:p>
-          <a:p>
-            <a:pPr>
-              <a:lnSpc>
-                <a:spcPct val="150000"/>
-              </a:lnSpc>
-            </a:pPr>
-            <a:r>
-              <a:rPr lang="en-US" sz="2600" b="1">
-                <a:sym typeface="+mn-ea"/>
-              </a:rPr>
-              <a:t>Split package</a:t>
-            </a:r>
-            <a:endParaRPr lang="en-US" sz="2600" b="1">
-              <a:sym typeface="+mn-ea"/>
-            </a:endParaRPr>
-          </a:p>
-          <a:p>
-            <a:pPr>
-              <a:lnSpc>
-                <a:spcPct val="150000"/>
-              </a:lnSpc>
-            </a:pPr>
-            <a:r>
-              <a:rPr lang="en-US" sz="2600" b="1">
-                <a:sym typeface="+mn-ea"/>
-              </a:rPr>
-              <a:t>Deprecated java.ee, removed methods &amp; libraries</a:t>
-            </a:r>
-            <a:endParaRPr lang="en-US" sz="2600" b="1">
-              <a:sym typeface="+mn-ea"/>
-            </a:endParaRPr>
-          </a:p>
-          <a:p>
-            <a:pPr>
-              <a:lnSpc>
-                <a:spcPct val="150000"/>
-              </a:lnSpc>
-            </a:pPr>
-            <a:r>
-              <a:rPr lang="en-US" sz="2600" b="1"/>
-              <a:t>Limited support of </a:t>
-            </a:r>
-            <a:r>
-              <a:rPr lang="en-US" sz="2600" b="1">
-                <a:sym typeface="+mn-ea"/>
-              </a:rPr>
-              <a:t>jlink &amp; </a:t>
-            </a:r>
-            <a:r>
-              <a:rPr lang="en-US" sz="2600" b="1"/>
-              <a:t>build plugin to build runtime image</a:t>
-            </a:r>
-            <a:endParaRPr lang="en-US" sz="2600" b="1"/>
-          </a:p>
-        </p:txBody>
-      </p:sp>
-      <p:sp>
-        <p:nvSpPr>
-          <p:cNvPr id="2" name="Text Placeholder 4"/>
-          <p:cNvSpPr>
-            <a:spLocks noGrp="1"/>
-          </p:cNvSpPr>
-          <p:nvPr/>
-        </p:nvSpPr>
-        <p:spPr>
-          <a:xfrm>
-            <a:off x="6494145" y="1825625"/>
-            <a:ext cx="6089650" cy="3625215"/>
+            <a:off x="1188085" y="2025015"/>
+            <a:ext cx="8641715" cy="4073525"/>
           </a:xfrm>
           <a:prstGeom prst="rect">
             <a:avLst/>
           </a:prstGeom>
         </p:spPr>
-        <p:txBody>
-          <a:bodyPr/>
-          <a:lstStyle>
-            <a:lvl1pPr marL="228600" indent="-228600" algn="l" defTabSz="914400" rtl="0" eaLnBrk="1" latinLnBrk="0" hangingPunct="1">
-              <a:lnSpc>
-                <a:spcPct val="90000"/>
-              </a:lnSpc>
-              <a:spcBef>
-                <a:spcPts val="1000"/>
-              </a:spcBef>
-              <a:buClr>
-                <a:schemeClr val="accent1"/>
-              </a:buClr>
-              <a:buFont typeface="Arial" panose="020B0604020202020204" pitchFamily="34" charset="0"/>
-              <a:buChar char="•"/>
-              <a:defRPr sz="2000" kern="1200" baseline="0">
-                <a:solidFill>
-                  <a:schemeClr val="tx1"/>
-                </a:solidFill>
-                <a:latin typeface="+mn-lt"/>
-                <a:ea typeface="+mn-ea"/>
-                <a:cs typeface="+mn-cs"/>
-              </a:defRPr>
-            </a:lvl1pPr>
-            <a:lvl2pPr marL="685800" indent="-228600" algn="l" defTabSz="914400" rtl="0" eaLnBrk="1" latinLnBrk="0" hangingPunct="1">
-              <a:lnSpc>
-                <a:spcPct val="90000"/>
-              </a:lnSpc>
-              <a:spcBef>
-                <a:spcPts val="500"/>
-              </a:spcBef>
-              <a:buClr>
-                <a:srgbClr val="02A9F7"/>
-              </a:buClr>
-              <a:buFont typeface="Arial" panose="020B0604020202020204" pitchFamily="34" charset="0"/>
-              <a:buChar char="‒"/>
-              <a:defRPr sz="1800" kern="1200" baseline="0">
-                <a:solidFill>
-                  <a:schemeClr val="tx1"/>
-                </a:solidFill>
-                <a:latin typeface="+mn-lt"/>
-                <a:ea typeface="+mn-ea"/>
-                <a:cs typeface="+mn-cs"/>
-              </a:defRPr>
-            </a:lvl2pPr>
-            <a:lvl3pPr marL="1143000" indent="-228600" algn="l" defTabSz="914400" rtl="0" eaLnBrk="1" latinLnBrk="0" hangingPunct="1">
-              <a:lnSpc>
-                <a:spcPct val="90000"/>
-              </a:lnSpc>
-              <a:spcBef>
-                <a:spcPts val="500"/>
-              </a:spcBef>
-              <a:buFont typeface="Arial" panose="020B0604020202020204" pitchFamily="34" charset="0"/>
-              <a:buChar char="•"/>
-              <a:defRPr sz="1600" kern="1200" baseline="0">
-                <a:solidFill>
-                  <a:schemeClr val="tx1"/>
-                </a:solidFill>
-                <a:latin typeface="+mn-lt"/>
-                <a:ea typeface="+mn-ea"/>
-                <a:cs typeface="+mn-cs"/>
-              </a:defRPr>
-            </a:lvl3pPr>
-            <a:lvl4pPr marL="1600200" indent="-228600" algn="l" defTabSz="914400" rtl="0" eaLnBrk="1" latinLnBrk="0" hangingPunct="1">
-              <a:lnSpc>
-                <a:spcPct val="90000"/>
-              </a:lnSpc>
-              <a:spcBef>
-                <a:spcPts val="500"/>
-              </a:spcBef>
-              <a:buFont typeface="Arial" panose="020B0604020202020204" pitchFamily="34" charset="0"/>
-              <a:buChar char="•"/>
-              <a:defRPr sz="1400" kern="1200">
-                <a:solidFill>
-                  <a:schemeClr val="tx1"/>
-                </a:solidFill>
-                <a:latin typeface="+mn-lt"/>
-                <a:ea typeface="+mn-ea"/>
-                <a:cs typeface="+mn-cs"/>
-              </a:defRPr>
-            </a:lvl4pPr>
-            <a:lvl5pPr marL="2057400" indent="-228600" algn="l" defTabSz="914400" rtl="0" eaLnBrk="1" latinLnBrk="0" hangingPunct="1">
-              <a:lnSpc>
-                <a:spcPct val="90000"/>
-              </a:lnSpc>
-              <a:spcBef>
-                <a:spcPts val="500"/>
-              </a:spcBef>
-              <a:buFont typeface="Arial" panose="020B0604020202020204" pitchFamily="34" charset="0"/>
-              <a:buChar char="•"/>
-              <a:defRPr sz="1200" kern="1200">
-                <a:solidFill>
-                  <a:schemeClr val="tx1"/>
-                </a:solidFill>
-                <a:latin typeface="+mn-lt"/>
-                <a:ea typeface="+mn-ea"/>
-                <a:cs typeface="+mn-cs"/>
-              </a:defRPr>
-            </a:lvl5pPr>
-            <a:lvl6pPr marL="2514600" indent="-228600" algn="l" defTabSz="914400" rtl="0" eaLnBrk="1" latinLnBrk="0" hangingPunct="1">
-              <a:lnSpc>
-                <a:spcPct val="90000"/>
-              </a:lnSpc>
-              <a:spcBef>
-                <a:spcPts val="500"/>
-              </a:spcBef>
-              <a:buFont typeface="Arial" panose="020B0604020202020204" pitchFamily="34" charset="0"/>
-              <a:buChar char="•"/>
-              <a:defRPr sz="1800" kern="1200">
-                <a:solidFill>
-                  <a:schemeClr val="tx1"/>
-                </a:solidFill>
-                <a:latin typeface="+mn-lt"/>
-                <a:ea typeface="+mn-ea"/>
-                <a:cs typeface="+mn-cs"/>
-              </a:defRPr>
-            </a:lvl6pPr>
-            <a:lvl7pPr marL="2971800" indent="-228600" algn="l" defTabSz="914400" rtl="0" eaLnBrk="1" latinLnBrk="0" hangingPunct="1">
-              <a:lnSpc>
-                <a:spcPct val="90000"/>
-              </a:lnSpc>
-              <a:spcBef>
-                <a:spcPts val="500"/>
-              </a:spcBef>
-              <a:buFont typeface="Arial" panose="020B0604020202020204" pitchFamily="34" charset="0"/>
-              <a:buChar char="•"/>
-              <a:defRPr sz="1800" kern="1200">
-                <a:solidFill>
-                  <a:schemeClr val="tx1"/>
-                </a:solidFill>
-                <a:latin typeface="+mn-lt"/>
-                <a:ea typeface="+mn-ea"/>
-                <a:cs typeface="+mn-cs"/>
-              </a:defRPr>
-            </a:lvl7pPr>
-            <a:lvl8pPr marL="3429000" indent="-228600" algn="l" defTabSz="914400" rtl="0" eaLnBrk="1" latinLnBrk="0" hangingPunct="1">
-              <a:lnSpc>
-                <a:spcPct val="90000"/>
-              </a:lnSpc>
-              <a:spcBef>
-                <a:spcPts val="500"/>
-              </a:spcBef>
-              <a:buFont typeface="Arial" panose="020B0604020202020204" pitchFamily="34" charset="0"/>
-              <a:buChar char="•"/>
-              <a:defRPr sz="1800" kern="1200">
-                <a:solidFill>
-                  <a:schemeClr val="tx1"/>
-                </a:solidFill>
-                <a:latin typeface="+mn-lt"/>
-                <a:ea typeface="+mn-ea"/>
-                <a:cs typeface="+mn-cs"/>
-              </a:defRPr>
-            </a:lvl8pPr>
-            <a:lvl9pPr marL="3886200" indent="-228600" algn="l" defTabSz="914400" rtl="0" eaLnBrk="1" latinLnBrk="0" hangingPunct="1">
-              <a:lnSpc>
-                <a:spcPct val="90000"/>
-              </a:lnSpc>
-              <a:spcBef>
-                <a:spcPts val="500"/>
-              </a:spcBef>
-              <a:buFont typeface="Arial" panose="020B0604020202020204" pitchFamily="34" charset="0"/>
-              <a:buChar char="•"/>
-              <a:defRPr sz="1800" kern="1200">
-                <a:solidFill>
-                  <a:schemeClr val="tx1"/>
-                </a:solidFill>
-                <a:latin typeface="+mn-lt"/>
-                <a:ea typeface="+mn-ea"/>
-                <a:cs typeface="+mn-cs"/>
-              </a:defRPr>
-            </a:lvl9pPr>
-          </a:lstStyle>
-          <a:p>
-            <a:pPr>
-              <a:lnSpc>
-                <a:spcPct val="140000"/>
-              </a:lnSpc>
-            </a:pPr>
-            <a:endParaRPr lang="en-US" sz="2600" b="1"/>
-          </a:p>
-        </p:txBody>
-      </p:sp>
+      </p:pic>
     </p:spTree>
   </p:cSld>
   <p:clrMapOvr>
@@ -5398,132 +5737,50 @@
       </p:grpSpPr>
       <p:sp>
         <p:nvSpPr>
-          <p:cNvPr id="4" name="Content Placeholder 3"/>
+          <p:cNvPr id="6" name="Title 5"/>
           <p:cNvSpPr>
             <a:spLocks noGrp="1"/>
           </p:cNvSpPr>
           <p:nvPr>
-            <p:ph sz="quarter" idx="10"/>
+            <p:ph type="ctrTitle"/>
           </p:nvPr>
         </p:nvSpPr>
         <p:spPr/>
         <p:txBody>
           <a:bodyPr/>
-          <a:lstStyle/>
-          <a:p>
-            <a:r>
-              <a:rPr lang="en-US" sz="3000"/>
-              <a:t>JPMS: Get started</a:t>
-            </a:r>
-            <a:endParaRPr lang="en-US" sz="3000"/>
+          <a:p>
+            <a:r>
+              <a:rPr lang="en-US"/>
+              <a:t>JPMS: Declaration</a:t>
+            </a:r>
+            <a:endParaRPr lang="en-US"/>
           </a:p>
         </p:txBody>
       </p:sp>
-      <p:sp>
-        <p:nvSpPr>
-          <p:cNvPr id="5" name="Text Placeholder 4"/>
-          <p:cNvSpPr>
-            <a:spLocks noGrp="1"/>
-          </p:cNvSpPr>
-          <p:nvPr>
-            <p:ph type="body" sz="quarter" idx="11"/>
-          </p:nvPr>
-        </p:nvSpPr>
+      <p:pic>
+        <p:nvPicPr>
+          <p:cNvPr id="14" name="Picture 13" descr="moduleserviceloader"/>
+          <p:cNvPicPr>
+            <a:picLocks noChangeAspect="1"/>
+          </p:cNvPicPr>
+          <p:nvPr/>
+        </p:nvPicPr>
+        <p:blipFill>
+          <a:blip r:embed="rId1"/>
+          <a:stretch>
+            <a:fillRect/>
+          </a:stretch>
+        </p:blipFill>
         <p:spPr>
           <a:xfrm>
-            <a:off x="838200" y="1447800"/>
-            <a:ext cx="9601835" cy="4678045"/>
+            <a:off x="453390" y="2483485"/>
+            <a:ext cx="11284585" cy="3277235"/>
           </a:xfrm>
+          <a:prstGeom prst="rect">
+            <a:avLst/>
+          </a:prstGeom>
         </p:spPr>
-        <p:txBody>
-          <a:bodyPr/>
-          <a:lstStyle/>
-          <a:p>
-            <a:pPr>
-              <a:lnSpc>
-                <a:spcPct val="170000"/>
-              </a:lnSpc>
-            </a:pPr>
-            <a:r>
-              <a:rPr lang="en-US" sz="2600" b="1">
-                <a:sym typeface="+mn-ea"/>
-              </a:rPr>
-              <a:t>Step 1: Upgrade your dependencies</a:t>
-            </a:r>
-            <a:endParaRPr lang="en-US" sz="2600" b="1">
-              <a:sym typeface="+mn-ea"/>
-            </a:endParaRPr>
-          </a:p>
-          <a:p>
-            <a:pPr>
-              <a:lnSpc>
-                <a:spcPct val="170000"/>
-              </a:lnSpc>
-            </a:pPr>
-            <a:r>
-              <a:rPr lang="en-US" sz="2600" b="1"/>
-              <a:t>Step 2: Determine module's boundary</a:t>
-            </a:r>
-            <a:endParaRPr lang="en-US" sz="2600" b="1"/>
-          </a:p>
-          <a:p>
-            <a:pPr>
-              <a:lnSpc>
-                <a:spcPct val="170000"/>
-              </a:lnSpc>
-            </a:pPr>
-            <a:r>
-              <a:rPr lang="en-US" sz="2600" b="1"/>
-              <a:t>Step 3: Prepare module structure &amp; refactor code</a:t>
-            </a:r>
-            <a:endParaRPr lang="en-US" sz="2600" b="1"/>
-          </a:p>
-          <a:p>
-            <a:pPr>
-              <a:lnSpc>
-                <a:spcPct val="170000"/>
-              </a:lnSpc>
-            </a:pPr>
-            <a:r>
-              <a:rPr lang="en-US" sz="2600" b="1"/>
-              <a:t>Step 4: Add module descriptors bottom-up</a:t>
-            </a:r>
-            <a:endParaRPr lang="en-US" sz="2600" b="1"/>
-          </a:p>
-          <a:p>
-            <a:pPr>
-              <a:lnSpc>
-                <a:spcPct val="170000"/>
-              </a:lnSpc>
-            </a:pPr>
-            <a:r>
-              <a:rPr lang="en-US" sz="2600" b="1"/>
-              <a:t>Step 5: Resolve issues at boot time</a:t>
-            </a:r>
-            <a:endParaRPr lang="en-US" sz="2600" b="1"/>
-          </a:p>
-          <a:p>
-            <a:pPr>
-              <a:lnSpc>
-                <a:spcPct val="170000"/>
-              </a:lnSpc>
-            </a:pPr>
-            <a:r>
-              <a:rPr lang="en-US" sz="2600" b="1"/>
-              <a:t>Step 6: Test all paths to make sure </a:t>
-            </a:r>
-            <a:r>
-              <a:rPr lang="vi-VN" altLang="en-US" sz="2600" b="1"/>
-              <a:t>the </a:t>
-            </a:r>
-            <a:r>
-              <a:rPr lang="en-US" sz="2600" b="1"/>
-              <a:t>aplication work</a:t>
-            </a:r>
-            <a:endParaRPr lang="en-US" sz="2600" b="1"/>
-          </a:p>
-        </p:txBody>
-      </p:sp>
+      </p:pic>
     </p:spTree>
   </p:cSld>
   <p:clrMapOvr>

--- a/presentations/JPMS.pptx
+++ b/presentations/JPMS.pptx
@@ -5,14 +5,14 @@
     <p:sldMasterId id="2147483648" r:id="rId1"/>
   </p:sldMasterIdLst>
   <p:notesMasterIdLst>
-    <p:notesMasterId r:id="rId5"/>
+    <p:notesMasterId r:id="rId4"/>
   </p:notesMasterIdLst>
   <p:handoutMasterIdLst>
     <p:handoutMasterId r:id="rId16"/>
   </p:handoutMasterIdLst>
   <p:sldIdLst>
     <p:sldId id="360" r:id="rId3"/>
-    <p:sldId id="369" r:id="rId4"/>
+    <p:sldId id="369" r:id="rId5"/>
     <p:sldId id="367" r:id="rId6"/>
     <p:sldId id="363" r:id="rId7"/>
     <p:sldId id="361" r:id="rId8"/>
@@ -630,6 +630,318 @@
 </file>
 
 <file path=ppt/notesSlides/notesSlide1.xml><?xml version="1.0" encoding="utf-8"?>
+<p:notes xmlns:a="http://schemas.openxmlformats.org/drawingml/2006/main" xmlns:r="http://schemas.openxmlformats.org/officeDocument/2006/relationships" xmlns:p="http://schemas.openxmlformats.org/presentationml/2006/main">
+  <p:cSld>
+    <p:spTree>
+      <p:nvGrpSpPr>
+        <p:cNvPr id="1" name=""/>
+        <p:cNvGrpSpPr/>
+        <p:nvPr/>
+      </p:nvGrpSpPr>
+      <p:grpSpPr/>
+      <p:sp>
+        <p:nvSpPr>
+          <p:cNvPr id="2" name="Slide Image Placeholder 1"/>
+          <p:cNvSpPr/>
+          <p:nvPr>
+            <p:ph type="sldImg" idx="2"/>
+          </p:nvPr>
+        </p:nvSpPr>
+        <p:spPr/>
+      </p:sp>
+      <p:sp>
+        <p:nvSpPr>
+          <p:cNvPr id="3" name="Text Placeholder 2"/>
+          <p:cNvSpPr/>
+          <p:nvPr>
+            <p:ph type="body" idx="3"/>
+          </p:nvPr>
+        </p:nvSpPr>
+        <p:spPr/>
+        <p:txBody>
+          <a:bodyPr/>
+          <a:p>
+            <a:r>
+              <a:rPr lang="en-US"/>
+              <a:t>co-exist</a:t>
+            </a:r>
+            <a:endParaRPr lang="en-US"/>
+          </a:p>
+          <a:p>
+            <a:r>
+              <a:rPr lang="en-US"/>
+              <a:t>Class path: where the jar files or .class files were located to be used by the runtime.</a:t>
+            </a:r>
+            <a:endParaRPr lang="en-US"/>
+          </a:p>
+          <a:p>
+            <a:r>
+              <a:rPr lang="en-US"/>
+              <a:t>Module path: sequence of modules</a:t>
+            </a:r>
+            <a:endParaRPr lang="en-US"/>
+          </a:p>
+        </p:txBody>
+      </p:sp>
+    </p:spTree>
+  </p:cSld>
+  <p:clrMapOvr>
+    <a:masterClrMapping/>
+  </p:clrMapOvr>
+</p:notes>
+</file>
+
+<file path=ppt/notesSlides/notesSlide2.xml><?xml version="1.0" encoding="utf-8"?>
+<p:notes xmlns:a="http://schemas.openxmlformats.org/drawingml/2006/main" xmlns:r="http://schemas.openxmlformats.org/officeDocument/2006/relationships" xmlns:p="http://schemas.openxmlformats.org/presentationml/2006/main">
+  <p:cSld>
+    <p:spTree>
+      <p:nvGrpSpPr>
+        <p:cNvPr id="1" name=""/>
+        <p:cNvGrpSpPr/>
+        <p:nvPr/>
+      </p:nvGrpSpPr>
+      <p:grpSpPr/>
+      <p:sp>
+        <p:nvSpPr>
+          <p:cNvPr id="2" name="Slide Image Placeholder 1"/>
+          <p:cNvSpPr/>
+          <p:nvPr>
+            <p:ph type="sldImg" idx="2"/>
+          </p:nvPr>
+        </p:nvSpPr>
+        <p:spPr/>
+      </p:sp>
+      <p:sp>
+        <p:nvSpPr>
+          <p:cNvPr id="3" name="Text Placeholder 2"/>
+          <p:cNvSpPr/>
+          <p:nvPr>
+            <p:ph type="body" idx="3"/>
+          </p:nvPr>
+        </p:nvSpPr>
+        <p:spPr/>
+        <p:txBody>
+          <a:bodyPr/>
+          <a:p>
+            <a:r>
+              <a:rPr lang="en-US"/>
+              <a:t>A module is a new way of grouping code, data and some resources, adding a higher level of aggregation above packages. Every module describes which packages are exposed and which packages of other modules your application depends on. In modules, only explicitly exported public classes can be used from other modules.</a:t>
+            </a:r>
+            <a:endParaRPr lang="en-US"/>
+          </a:p>
+        </p:txBody>
+      </p:sp>
+    </p:spTree>
+  </p:cSld>
+  <p:clrMapOvr>
+    <a:masterClrMapping/>
+  </p:clrMapOvr>
+</p:notes>
+</file>
+
+<file path=ppt/notesSlides/notesSlide3.xml><?xml version="1.0" encoding="utf-8"?>
+<p:notes xmlns:a="http://schemas.openxmlformats.org/drawingml/2006/main" xmlns:r="http://schemas.openxmlformats.org/officeDocument/2006/relationships" xmlns:p="http://schemas.openxmlformats.org/presentationml/2006/main">
+  <p:cSld>
+    <p:spTree>
+      <p:nvGrpSpPr>
+        <p:cNvPr id="1" name=""/>
+        <p:cNvGrpSpPr/>
+        <p:nvPr/>
+      </p:nvGrpSpPr>
+      <p:grpSpPr/>
+      <p:sp>
+        <p:nvSpPr>
+          <p:cNvPr id="2" name="Slide Image Placeholder 1"/>
+          <p:cNvSpPr/>
+          <p:nvPr>
+            <p:ph type="sldImg" idx="2"/>
+          </p:nvPr>
+        </p:nvSpPr>
+        <p:spPr/>
+      </p:sp>
+      <p:sp>
+        <p:nvSpPr>
+          <p:cNvPr id="3" name="Text Placeholder 2"/>
+          <p:cNvSpPr/>
+          <p:nvPr>
+            <p:ph type="body" idx="3"/>
+          </p:nvPr>
+        </p:nvSpPr>
+        <p:spPr/>
+        <p:txBody>
+          <a:bodyPr/>
+          <a:p>
+            <a:r>
+              <a:rPr lang="en-US"/>
+              <a:t>- Reliable configuration—Modularity provides mechanisms for explicitly declaring dependencies between modules in a manner that’s recognized both at compile time and execution time. The system can walk through these dependencies to determine the subset of all modules required to support your app.</a:t>
+            </a:r>
+            <a:endParaRPr lang="en-US"/>
+          </a:p>
+          <a:p>
+            <a:r>
+              <a:rPr lang="en-US"/>
+              <a:t>- Strong encapsulation—The packages in a module are accessible to other modules only if the module explicitly exports them. Even then, another module cannot use those packages unless it explicitly states that it requires the other module’s capabilities. This improves platform security because fewer classes are accessible to potential attackers. You may find that considering modularity helps you come up with cleaner, more logical designs.</a:t>
+            </a:r>
+            <a:endParaRPr lang="en-US"/>
+          </a:p>
+          <a:p>
+            <a:r>
+              <a:rPr lang="en-US"/>
+              <a:t>- Scalable—Previously, the Java platform was a monolith consisting of a massive number of packages, making it challenging to develop, maintain and evolve. It couldn't be easily subsetted. The platform is now modularized into 95 modules (this number might change as Java evolves). You can create custom runtimes consisting of only modules you need for your apps or the devices you’re targeting. For example, if a device does not support GUIs, you could create a runtime that does not include the GUI modules, significantly reducing the runtime's size.</a:t>
+            </a:r>
+            <a:endParaRPr lang="en-US"/>
+          </a:p>
+          <a:p>
+            <a:r>
+              <a:rPr lang="en-US"/>
+              <a:t>Improved performance—The JVM uses various optimization techniques to improve application performance. These techniques are more effective when it’s known in advance that required types are located only in specific modules.</a:t>
+            </a:r>
+            <a:endParaRPr lang="en-US"/>
+          </a:p>
+          <a:p>
+            <a:r>
+              <a:rPr lang="en-US"/>
+              <a:t>- SRI: JDK is too big to scale down to small devices. JAR files, like rt.jar, are too big to be used on small devices and applications</a:t>
+            </a:r>
+            <a:endParaRPr lang="en-US"/>
+          </a:p>
+        </p:txBody>
+      </p:sp>
+    </p:spTree>
+  </p:cSld>
+  <p:clrMapOvr>
+    <a:masterClrMapping/>
+  </p:clrMapOvr>
+</p:notes>
+</file>
+
+<file path=ppt/notesSlides/notesSlide4.xml><?xml version="1.0" encoding="utf-8"?>
+<p:notes xmlns:a="http://schemas.openxmlformats.org/drawingml/2006/main" xmlns:r="http://schemas.openxmlformats.org/officeDocument/2006/relationships" xmlns:p="http://schemas.openxmlformats.org/presentationml/2006/main">
+  <p:cSld>
+    <p:spTree>
+      <p:nvGrpSpPr>
+        <p:cNvPr id="1" name=""/>
+        <p:cNvGrpSpPr/>
+        <p:nvPr/>
+      </p:nvGrpSpPr>
+      <p:grpSpPr/>
+      <p:sp>
+        <p:nvSpPr>
+          <p:cNvPr id="2" name="Slide Image Placeholder 1"/>
+          <p:cNvSpPr/>
+          <p:nvPr>
+            <p:ph type="sldImg" idx="2"/>
+          </p:nvPr>
+        </p:nvSpPr>
+        <p:spPr/>
+      </p:sp>
+      <p:sp>
+        <p:nvSpPr>
+          <p:cNvPr id="3" name="Text Placeholder 2"/>
+          <p:cNvSpPr/>
+          <p:nvPr>
+            <p:ph type="body" idx="3"/>
+          </p:nvPr>
+        </p:nvSpPr>
+        <p:spPr/>
+        <p:txBody>
+          <a:bodyPr/>
+          <a:p>
+            <a:endParaRPr lang="en-US"/>
+          </a:p>
+        </p:txBody>
+      </p:sp>
+    </p:spTree>
+  </p:cSld>
+  <p:clrMapOvr>
+    <a:masterClrMapping/>
+  </p:clrMapOvr>
+</p:notes>
+</file>
+
+<file path=ppt/notesSlides/notesSlide5.xml><?xml version="1.0" encoding="utf-8"?>
+<p:notes xmlns:a="http://schemas.openxmlformats.org/drawingml/2006/main" xmlns:r="http://schemas.openxmlformats.org/officeDocument/2006/relationships" xmlns:p="http://schemas.openxmlformats.org/presentationml/2006/main">
+  <p:cSld>
+    <p:spTree>
+      <p:nvGrpSpPr>
+        <p:cNvPr id="1" name=""/>
+        <p:cNvGrpSpPr/>
+        <p:nvPr/>
+      </p:nvGrpSpPr>
+      <p:grpSpPr/>
+      <p:sp>
+        <p:nvSpPr>
+          <p:cNvPr id="2" name="Slide Image Placeholder 1"/>
+          <p:cNvSpPr/>
+          <p:nvPr>
+            <p:ph type="sldImg" idx="2"/>
+          </p:nvPr>
+        </p:nvSpPr>
+        <p:spPr/>
+      </p:sp>
+      <p:sp>
+        <p:nvSpPr>
+          <p:cNvPr id="3" name="Text Placeholder 2"/>
+          <p:cNvSpPr/>
+          <p:nvPr>
+            <p:ph type="body" idx="3"/>
+          </p:nvPr>
+        </p:nvSpPr>
+        <p:spPr/>
+        <p:txBody>
+          <a:bodyPr/>
+          <a:p>
+            <a:r>
+              <a:rPr lang="en-US"/>
+              <a:t>- Named module: a module created with a module declaration file module-info.java in its folder.</a:t>
+            </a:r>
+            <a:endParaRPr lang="en-US"/>
+          </a:p>
+          <a:p>
+            <a:r>
+              <a:rPr lang="en-US"/>
+              <a:t>- Unnamed module: a jar built without module-info.java declaration</a:t>
+            </a:r>
+            <a:endParaRPr lang="en-US"/>
+          </a:p>
+          <a:p>
+            <a:r>
+              <a:rPr lang="en-US"/>
+              <a:t>Named modules does not allowed to read unnamed modules</a:t>
+            </a:r>
+            <a:endParaRPr lang="en-US"/>
+          </a:p>
+          <a:p>
+            <a:r>
+              <a:rPr lang="en-US"/>
+              <a:t>- Automated modules: M</a:t>
+            </a:r>
+            <a:r>
+              <a:rPr lang="en-US">
+                <a:sym typeface="+mn-ea"/>
+              </a:rPr>
+              <a:t>odule name derived from its jar name, or if it has a Manifest entry Automatic-Module-Name, the module name will be its value.</a:t>
+            </a:r>
+            <a:endParaRPr lang="en-US"/>
+          </a:p>
+          <a:p>
+            <a:r>
+              <a:rPr lang="en-US"/>
+              <a:t>You are working on a Java module application, but one of your dependencies is not a module, and you don't have access to that code to convert it into an application module. A normal jar can be converted into a module by putting this library in the module-path instead of the classpath -&gt; it immediately becomes an “automatic module.</a:t>
+            </a:r>
+            <a:endParaRPr lang="en-US"/>
+          </a:p>
+        </p:txBody>
+      </p:sp>
+    </p:spTree>
+  </p:cSld>
+  <p:clrMapOvr>
+    <a:masterClrMapping/>
+  </p:clrMapOvr>
+</p:notes>
+</file>
+
+<file path=ppt/notesSlides/notesSlide6.xml><?xml version="1.0" encoding="utf-8"?>
 <p:notes xmlns:a="http://schemas.openxmlformats.org/drawingml/2006/main" xmlns:r="http://schemas.openxmlformats.org/officeDocument/2006/relationships" xmlns:p="http://schemas.openxmlformats.org/presentationml/2006/main">
   <p:cSld>
     <p:spTree>
@@ -2065,7 +2377,7 @@
         </p:nvSpPr>
         <p:spPr>
           <a:xfrm>
-            <a:off x="1080770" y="1932940"/>
+            <a:off x="1158875" y="1583055"/>
             <a:ext cx="8473440" cy="4109720"/>
           </a:xfrm>
         </p:spPr>
@@ -2125,30 +2437,26 @@
               </a:lnSpc>
             </a:pPr>
             <a:r>
+              <a:rPr lang="en-US" sz="2600" b="1"/>
+              <a:t>Limited support of </a:t>
+            </a:r>
+            <a:r>
               <a:rPr lang="en-US" sz="2600" b="1">
                 <a:sym typeface="+mn-ea"/>
               </a:rPr>
-              <a:t>Deprecated java.ee, removed methods &amp; libraries</a:t>
-            </a:r>
-            <a:endParaRPr lang="en-US" sz="2600" b="1">
-              <a:sym typeface="+mn-ea"/>
-            </a:endParaRPr>
-          </a:p>
-          <a:p>
-            <a:pPr>
-              <a:lnSpc>
-                <a:spcPct val="150000"/>
-              </a:lnSpc>
-            </a:pPr>
-            <a:r>
-              <a:rPr lang="en-US" sz="2600" b="1"/>
-              <a:t>Limited support of </a:t>
+              <a:t>jlink</a:t>
+            </a:r>
+            <a:r>
+              <a:rPr lang="en-US" sz="2600" b="1" baseline="30000">
+                <a:sym typeface="+mn-ea"/>
+              </a:rPr>
+              <a:t>(*)</a:t>
             </a:r>
             <a:r>
               <a:rPr lang="en-US" sz="2600" b="1">
                 <a:sym typeface="+mn-ea"/>
               </a:rPr>
-              <a:t>jlink &amp; </a:t>
+              <a:t> &amp; </a:t>
             </a:r>
             <a:r>
               <a:rPr lang="en-US" sz="2600" b="1"/>
@@ -2354,6 +2662,37 @@
               </a:lnSpc>
             </a:pPr>
             <a:endParaRPr lang="en-US" sz="2600" b="1"/>
+          </a:p>
+        </p:txBody>
+      </p:sp>
+      <p:sp>
+        <p:nvSpPr>
+          <p:cNvPr id="3" name="Text Box 2"/>
+          <p:cNvSpPr txBox="1"/>
+          <p:nvPr/>
+        </p:nvSpPr>
+        <p:spPr>
+          <a:xfrm>
+            <a:off x="7505700" y="6247130"/>
+            <a:ext cx="5546090" cy="368300"/>
+          </a:xfrm>
+          <a:prstGeom prst="rect">
+            <a:avLst/>
+          </a:prstGeom>
+          <a:noFill/>
+        </p:spPr>
+        <p:txBody>
+          <a:bodyPr wrap="square" rtlCol="0">
+            <a:spAutoFit/>
+          </a:bodyPr>
+          <a:p>
+            <a:r>
+              <a:rPr lang="en-US">
+                <a:sym typeface="+mn-ea"/>
+              </a:rPr>
+              <a:t>(*) jlink: jdk tool to generate runtime image</a:t>
+            </a:r>
+            <a:endParaRPr lang="en-US"/>
           </a:p>
         </p:txBody>
       </p:sp>
@@ -5285,11 +5624,28 @@
             <p:ph sz="quarter" idx="11"/>
           </p:nvPr>
         </p:nvSpPr>
-        <p:spPr/>
+        <p:spPr>
+          <a:xfrm>
+            <a:off x="5462905" y="1885364"/>
+            <a:ext cx="4114800" cy="4395421"/>
+          </a:xfrm>
+        </p:spPr>
         <p:txBody>
           <a:bodyPr/>
           <a:p>
-            <a:endParaRPr lang="en-US"/>
+            <a:r>
+              <a:rPr lang="en-US" sz="2400" b="1">
+                <a:solidFill>
+                  <a:srgbClr val="FF0000"/>
+                </a:solidFill>
+              </a:rPr>
+              <a:t>module-info.java</a:t>
+            </a:r>
+            <a:endParaRPr lang="en-US" sz="2400" b="1">
+              <a:solidFill>
+                <a:srgbClr val="FF0000"/>
+              </a:solidFill>
+            </a:endParaRPr>
           </a:p>
         </p:txBody>
       </p:sp>
